--- a/Team 12_Assignment-3.pptx
+++ b/Team 12_Assignment-3.pptx
@@ -9,7 +9,6 @@
     <p:sldId id="257" r:id="rId3"/>
     <p:sldId id="260" r:id="rId4"/>
     <p:sldId id="261" r:id="rId5"/>
-    <p:sldId id="258" r:id="rId6"/>
   </p:sldIdLst>
   <p:sldSz cx="9144000" cy="6858000" type="screen4x3"/>
   <p:notesSz cx="6858000" cy="9144000"/>
@@ -8294,11 +8293,11 @@
   <p:clrMapOvr>
     <a:masterClrMapping/>
   </p:clrMapOvr>
-  <mc:AlternateContent xmlns:mc="http://schemas.openxmlformats.org/markup-compatibility/2006">
-    <mc:Choice xmlns:p14="http://schemas.microsoft.com/office/powerpoint/2010/main" Requires="p14">
+  <mc:AlternateContent xmlns:mc="http://schemas.openxmlformats.org/markup-compatibility/2006" xmlns:p14="http://schemas.microsoft.com/office/powerpoint/2010/main">
+    <mc:Choice Requires="p14">
       <p:transition spd="slow" p14:dur="2000"/>
     </mc:Choice>
-    <mc:Fallback>
+    <mc:Fallback xmlns="">
       <p:transition xmlns:p14="http://schemas.microsoft.com/office/powerpoint/2010/main" spd="slow"/>
     </mc:Fallback>
   </mc:AlternateContent>
@@ -8656,11 +8655,11 @@
   <p:clrMapOvr>
     <a:masterClrMapping/>
   </p:clrMapOvr>
-  <mc:AlternateContent xmlns:mc="http://schemas.openxmlformats.org/markup-compatibility/2006">
-    <mc:Choice xmlns:p14="http://schemas.microsoft.com/office/powerpoint/2010/main" Requires="p14">
+  <mc:AlternateContent xmlns:mc="http://schemas.openxmlformats.org/markup-compatibility/2006" xmlns:p14="http://schemas.microsoft.com/office/powerpoint/2010/main">
+    <mc:Choice Requires="p14">
       <p:transition spd="slow" p14:dur="2000"/>
     </mc:Choice>
-    <mc:Fallback>
+    <mc:Fallback xmlns="">
       <p:transition xmlns:p14="http://schemas.microsoft.com/office/powerpoint/2010/main" spd="slow"/>
     </mc:Fallback>
   </mc:AlternateContent>
@@ -9035,11 +9034,11 @@
   <p:clrMapOvr>
     <a:masterClrMapping/>
   </p:clrMapOvr>
-  <mc:AlternateContent xmlns:mc="http://schemas.openxmlformats.org/markup-compatibility/2006">
-    <mc:Choice xmlns:p14="http://schemas.microsoft.com/office/powerpoint/2010/main" Requires="p14">
+  <mc:AlternateContent xmlns:mc="http://schemas.openxmlformats.org/markup-compatibility/2006" xmlns:p14="http://schemas.microsoft.com/office/powerpoint/2010/main">
+    <mc:Choice Requires="p14">
       <p:transition spd="slow" p14:dur="2000"/>
     </mc:Choice>
-    <mc:Fallback>
+    <mc:Fallback xmlns="">
       <p:transition xmlns:p14="http://schemas.microsoft.com/office/powerpoint/2010/main" spd="slow"/>
     </mc:Fallback>
   </mc:AlternateContent>
@@ -9249,301 +9248,11 @@
   <p:clrMapOvr>
     <a:masterClrMapping/>
   </p:clrMapOvr>
-  <mc:AlternateContent xmlns:mc="http://schemas.openxmlformats.org/markup-compatibility/2006">
-    <mc:Choice xmlns:p14="http://schemas.microsoft.com/office/powerpoint/2010/main" Requires="p14">
+  <mc:AlternateContent xmlns:mc="http://schemas.openxmlformats.org/markup-compatibility/2006" xmlns:p14="http://schemas.microsoft.com/office/powerpoint/2010/main">
+    <mc:Choice Requires="p14">
       <p:transition spd="slow" p14:dur="2000"/>
     </mc:Choice>
-    <mc:Fallback>
-      <p:transition xmlns:p14="http://schemas.microsoft.com/office/powerpoint/2010/main" spd="slow"/>
-    </mc:Fallback>
-  </mc:AlternateContent>
-  <p:timing>
-    <p:tnLst>
-      <p:par>
-        <p:cTn xmlns:p14="http://schemas.microsoft.com/office/powerpoint/2010/main" id="1" dur="indefinite" restart="never" nodeType="tmRoot"/>
-      </p:par>
-    </p:tnLst>
-  </p:timing>
-</p:sld>
-</file>
-
-<file path=ppt/slides/slide5.xml><?xml version="1.0" encoding="utf-8"?>
-<p:sld xmlns:a="http://schemas.openxmlformats.org/drawingml/2006/main" xmlns:r="http://schemas.openxmlformats.org/officeDocument/2006/relationships" xmlns:p="http://schemas.openxmlformats.org/presentationml/2006/main">
-  <p:cSld>
-    <p:spTree>
-      <p:nvGrpSpPr>
-        <p:cNvPr id="1" name=""/>
-        <p:cNvGrpSpPr/>
-        <p:nvPr/>
-      </p:nvGrpSpPr>
-      <p:grpSpPr>
-        <a:xfrm>
-          <a:off x="0" y="0"/>
-          <a:ext cx="0" cy="0"/>
-          <a:chOff x="0" y="0"/>
-          <a:chExt cx="0" cy="0"/>
-        </a:xfrm>
-      </p:grpSpPr>
-      <p:sp>
-        <p:nvSpPr>
-          <p:cNvPr id="4" name="Title 1"/>
-          <p:cNvSpPr>
-            <a:spLocks noGrp="1"/>
-          </p:cNvSpPr>
-          <p:nvPr>
-            <p:ph type="ctrTitle"/>
-          </p:nvPr>
-        </p:nvSpPr>
-        <p:spPr>
-          <a:xfrm>
-            <a:off x="761241" y="601049"/>
-            <a:ext cx="7772400" cy="1106586"/>
-          </a:xfrm>
-        </p:spPr>
-        <p:txBody>
-          <a:bodyPr>
-            <a:noAutofit/>
-          </a:bodyPr>
-          <a:lstStyle/>
-          <a:p>
-            <a:r>
-              <a:rPr lang="en-US" sz="3200" dirty="0" smtClean="0">
-                <a:solidFill>
-                  <a:srgbClr val="FF0000"/>
-                </a:solidFill>
-                <a:effectLst/>
-              </a:rPr>
-              <a:t>Pie Chart</a:t>
-            </a:r>
-            <a:endParaRPr lang="en-US" sz="3200" dirty="0">
-              <a:solidFill>
-                <a:srgbClr val="FF0000"/>
-              </a:solidFill>
-            </a:endParaRPr>
-          </a:p>
-        </p:txBody>
-      </p:sp>
-      <p:pic>
-        <p:nvPicPr>
-          <p:cNvPr id="6" name="Picture 5"/>
-          <p:cNvPicPr>
-            <a:picLocks noChangeAspect="1"/>
-          </p:cNvPicPr>
-          <p:nvPr/>
-        </p:nvPicPr>
-        <p:blipFill>
-          <a:blip r:embed="rId2"/>
-          <a:stretch>
-            <a:fillRect/>
-          </a:stretch>
-        </p:blipFill>
-        <p:spPr>
-          <a:xfrm>
-            <a:off x="481841" y="2054338"/>
-            <a:ext cx="8051800" cy="3975100"/>
-          </a:xfrm>
-          <a:prstGeom prst="rect">
-            <a:avLst/>
-          </a:prstGeom>
-        </p:spPr>
-      </p:pic>
-      <p:sp>
-        <p:nvSpPr>
-          <p:cNvPr id="7" name="TextBox 6"/>
-          <p:cNvSpPr txBox="1"/>
-          <p:nvPr/>
-        </p:nvSpPr>
-        <p:spPr>
-          <a:xfrm>
-            <a:off x="3281656" y="3005384"/>
-            <a:ext cx="842417" cy="923330"/>
-          </a:xfrm>
-          <a:prstGeom prst="rect">
-            <a:avLst/>
-          </a:prstGeom>
-          <a:noFill/>
-        </p:spPr>
-        <p:txBody>
-          <a:bodyPr wrap="square" rtlCol="0">
-            <a:spAutoFit/>
-          </a:bodyPr>
-          <a:lstStyle/>
-          <a:p>
-            <a:r>
-              <a:rPr lang="en-US" dirty="0" err="1" smtClean="0"/>
-              <a:t>Yalin</a:t>
-            </a:r>
-            <a:r>
-              <a:rPr lang="en-US" dirty="0" smtClean="0"/>
-              <a:t>, Priti, </a:t>
-            </a:r>
-            <a:r>
-              <a:rPr lang="en-US" dirty="0" err="1" smtClean="0"/>
-              <a:t>Zhi</a:t>
-            </a:r>
-            <a:endParaRPr lang="en-US" dirty="0"/>
-          </a:p>
-        </p:txBody>
-      </p:sp>
-      <p:sp>
-        <p:nvSpPr>
-          <p:cNvPr id="8" name="TextBox 7"/>
-          <p:cNvSpPr txBox="1"/>
-          <p:nvPr/>
-        </p:nvSpPr>
-        <p:spPr>
-          <a:xfrm>
-            <a:off x="3702864" y="4081114"/>
-            <a:ext cx="842417" cy="646331"/>
-          </a:xfrm>
-          <a:prstGeom prst="rect">
-            <a:avLst/>
-          </a:prstGeom>
-          <a:noFill/>
-        </p:spPr>
-        <p:txBody>
-          <a:bodyPr wrap="square" rtlCol="0">
-            <a:spAutoFit/>
-          </a:bodyPr>
-          <a:lstStyle/>
-          <a:p>
-            <a:r>
-              <a:rPr lang="en-US" dirty="0" err="1" smtClean="0"/>
-              <a:t>Yalin</a:t>
-            </a:r>
-            <a:r>
-              <a:rPr lang="en-US" dirty="0" smtClean="0"/>
-              <a:t>, </a:t>
-            </a:r>
-            <a:r>
-              <a:rPr lang="en-US" dirty="0" err="1" smtClean="0"/>
-              <a:t>Zhi</a:t>
-            </a:r>
-            <a:endParaRPr lang="en-US" dirty="0"/>
-          </a:p>
-        </p:txBody>
-      </p:sp>
-      <p:sp>
-        <p:nvSpPr>
-          <p:cNvPr id="9" name="TextBox 8"/>
-          <p:cNvSpPr txBox="1"/>
-          <p:nvPr/>
-        </p:nvSpPr>
-        <p:spPr>
-          <a:xfrm>
-            <a:off x="2860447" y="4679339"/>
-            <a:ext cx="842417" cy="923330"/>
-          </a:xfrm>
-          <a:prstGeom prst="rect">
-            <a:avLst/>
-          </a:prstGeom>
-          <a:noFill/>
-        </p:spPr>
-        <p:txBody>
-          <a:bodyPr wrap="square" rtlCol="0">
-            <a:spAutoFit/>
-          </a:bodyPr>
-          <a:lstStyle/>
-          <a:p>
-            <a:r>
-              <a:rPr lang="en-US" dirty="0" err="1" smtClean="0"/>
-              <a:t>Yalin</a:t>
-            </a:r>
-            <a:r>
-              <a:rPr lang="en-US" dirty="0" smtClean="0"/>
-              <a:t>, Priti, </a:t>
-            </a:r>
-            <a:r>
-              <a:rPr lang="en-US" dirty="0" err="1" smtClean="0"/>
-              <a:t>Zhi</a:t>
-            </a:r>
-            <a:endParaRPr lang="en-US" dirty="0"/>
-          </a:p>
-        </p:txBody>
-      </p:sp>
-      <p:sp>
-        <p:nvSpPr>
-          <p:cNvPr id="10" name="TextBox 9"/>
-          <p:cNvSpPr txBox="1"/>
-          <p:nvPr/>
-        </p:nvSpPr>
-        <p:spPr>
-          <a:xfrm>
-            <a:off x="2018030" y="4082615"/>
-            <a:ext cx="842417" cy="646331"/>
-          </a:xfrm>
-          <a:prstGeom prst="rect">
-            <a:avLst/>
-          </a:prstGeom>
-          <a:noFill/>
-        </p:spPr>
-        <p:txBody>
-          <a:bodyPr wrap="square" rtlCol="0">
-            <a:spAutoFit/>
-          </a:bodyPr>
-          <a:lstStyle/>
-          <a:p>
-            <a:r>
-              <a:rPr lang="en-US" dirty="0" err="1" smtClean="0"/>
-              <a:t>Yalin</a:t>
-            </a:r>
-            <a:r>
-              <a:rPr lang="en-US" dirty="0" smtClean="0"/>
-              <a:t>, Priti</a:t>
-            </a:r>
-            <a:endParaRPr lang="en-US" dirty="0"/>
-          </a:p>
-        </p:txBody>
-      </p:sp>
-      <p:sp>
-        <p:nvSpPr>
-          <p:cNvPr id="11" name="TextBox 10"/>
-          <p:cNvSpPr txBox="1"/>
-          <p:nvPr/>
-        </p:nvSpPr>
-        <p:spPr>
-          <a:xfrm>
-            <a:off x="2289877" y="3005384"/>
-            <a:ext cx="842417" cy="646331"/>
-          </a:xfrm>
-          <a:prstGeom prst="rect">
-            <a:avLst/>
-          </a:prstGeom>
-          <a:noFill/>
-        </p:spPr>
-        <p:txBody>
-          <a:bodyPr wrap="square" rtlCol="0">
-            <a:spAutoFit/>
-          </a:bodyPr>
-          <a:lstStyle/>
-          <a:p>
-            <a:r>
-              <a:rPr lang="en-US" dirty="0" smtClean="0"/>
-              <a:t>Priti, </a:t>
-            </a:r>
-            <a:r>
-              <a:rPr lang="en-US" dirty="0" err="1" smtClean="0"/>
-              <a:t>Zhi</a:t>
-            </a:r>
-            <a:endParaRPr lang="en-US" dirty="0"/>
-          </a:p>
-        </p:txBody>
-      </p:sp>
-    </p:spTree>
-    <p:extLst>
-      <p:ext uri="{BB962C8B-B14F-4D97-AF65-F5344CB8AC3E}">
-        <p14:creationId xmlns:p14="http://schemas.microsoft.com/office/powerpoint/2010/main" val="924068258"/>
-      </p:ext>
-    </p:extLst>
-  </p:cSld>
-  <p:clrMapOvr>
-    <a:masterClrMapping/>
-  </p:clrMapOvr>
-  <mc:AlternateContent xmlns:mc="http://schemas.openxmlformats.org/markup-compatibility/2006">
-    <mc:Choice xmlns:p14="http://schemas.microsoft.com/office/powerpoint/2010/main" Requires="p14">
-      <p:transition spd="slow" p14:dur="2000"/>
-    </mc:Choice>
-    <mc:Fallback>
+    <mc:Fallback xmlns="">
       <p:transition xmlns:p14="http://schemas.microsoft.com/office/powerpoint/2010/main" spd="slow"/>
     </mc:Fallback>
   </mc:AlternateContent>

--- a/Team 12_Assignment-3.pptx
+++ b/Team 12_Assignment-3.pptx
@@ -9,6 +9,7 @@
     <p:sldId id="257" r:id="rId3"/>
     <p:sldId id="260" r:id="rId4"/>
     <p:sldId id="261" r:id="rId5"/>
+    <p:sldId id="262" r:id="rId6"/>
   </p:sldIdLst>
   <p:sldSz cx="9144000" cy="6858000" type="screen4x3"/>
   <p:notesSz cx="6858000" cy="9144000"/>
@@ -9266,6 +9267,293 @@
 </p:sld>
 </file>
 
+<file path=ppt/slides/slide5.xml><?xml version="1.0" encoding="utf-8"?>
+<p:sld xmlns:a="http://schemas.openxmlformats.org/drawingml/2006/main" xmlns:r="http://schemas.openxmlformats.org/officeDocument/2006/relationships" xmlns:p="http://schemas.openxmlformats.org/presentationml/2006/main">
+  <p:cSld>
+    <p:spTree>
+      <p:nvGrpSpPr>
+        <p:cNvPr id="1" name=""/>
+        <p:cNvGrpSpPr/>
+        <p:nvPr/>
+      </p:nvGrpSpPr>
+      <p:grpSpPr>
+        <a:xfrm>
+          <a:off x="0" y="0"/>
+          <a:ext cx="0" cy="0"/>
+          <a:chOff x="0" y="0"/>
+          <a:chExt cx="0" cy="0"/>
+        </a:xfrm>
+      </p:grpSpPr>
+      <p:sp>
+        <p:nvSpPr>
+          <p:cNvPr id="5" name="TextBox 4"/>
+          <p:cNvSpPr txBox="1"/>
+          <p:nvPr/>
+        </p:nvSpPr>
+        <p:spPr>
+          <a:xfrm>
+            <a:off x="880138" y="1031138"/>
+            <a:ext cx="7569182" cy="646331"/>
+          </a:xfrm>
+          <a:prstGeom prst="rect">
+            <a:avLst/>
+          </a:prstGeom>
+          <a:noFill/>
+        </p:spPr>
+        <p:txBody>
+          <a:bodyPr wrap="square" rtlCol="0">
+            <a:spAutoFit/>
+          </a:bodyPr>
+          <a:lstStyle/>
+          <a:p>
+            <a:r>
+              <a:rPr lang="en-US" b="1" dirty="0"/>
+              <a:t> </a:t>
+            </a:r>
+            <a:endParaRPr lang="en-US" dirty="0"/>
+          </a:p>
+          <a:p>
+            <a:endParaRPr lang="en-US" dirty="0"/>
+          </a:p>
+        </p:txBody>
+      </p:sp>
+      <p:sp>
+        <p:nvSpPr>
+          <p:cNvPr id="6" name="Title 1"/>
+          <p:cNvSpPr>
+            <a:spLocks noGrp="1"/>
+          </p:cNvSpPr>
+          <p:nvPr>
+            <p:ph type="ctrTitle"/>
+          </p:nvPr>
+        </p:nvSpPr>
+        <p:spPr>
+          <a:xfrm>
+            <a:off x="761241" y="1677469"/>
+            <a:ext cx="7772400" cy="1106586"/>
+          </a:xfrm>
+        </p:spPr>
+        <p:txBody>
+          <a:bodyPr>
+            <a:noAutofit/>
+          </a:bodyPr>
+          <a:lstStyle/>
+          <a:p>
+            <a:r>
+              <a:rPr lang="en-US" sz="3200" dirty="0" smtClean="0">
+                <a:solidFill>
+                  <a:srgbClr val="FF0000"/>
+                </a:solidFill>
+                <a:effectLst/>
+              </a:rPr>
+              <a:t/>
+            </a:r>
+            <a:br>
+              <a:rPr lang="en-US" sz="3200" dirty="0" smtClean="0">
+                <a:solidFill>
+                  <a:srgbClr val="FF0000"/>
+                </a:solidFill>
+                <a:effectLst/>
+              </a:rPr>
+            </a:br>
+            <a:r>
+              <a:rPr lang="en-US" sz="3200" dirty="0" smtClean="0">
+                <a:solidFill>
+                  <a:srgbClr val="FF0000"/>
+                </a:solidFill>
+                <a:effectLst/>
+              </a:rPr>
+              <a:t>Distribution:</a:t>
+            </a:r>
+            <a:r>
+              <a:rPr lang="en-US" sz="3200" dirty="0">
+                <a:solidFill>
+                  <a:srgbClr val="FF0000"/>
+                </a:solidFill>
+              </a:rPr>
+              <a:t/>
+            </a:r>
+            <a:br>
+              <a:rPr lang="en-US" sz="3200" dirty="0">
+                <a:solidFill>
+                  <a:srgbClr val="FF0000"/>
+                </a:solidFill>
+              </a:rPr>
+            </a:br>
+            <a:r>
+              <a:rPr lang="en-US" sz="3200" dirty="0">
+                <a:solidFill>
+                  <a:srgbClr val="FF0000"/>
+                </a:solidFill>
+              </a:rPr>
+              <a:t> </a:t>
+            </a:r>
+            <a:br>
+              <a:rPr lang="en-US" sz="3200" dirty="0">
+                <a:solidFill>
+                  <a:srgbClr val="FF0000"/>
+                </a:solidFill>
+              </a:rPr>
+            </a:br>
+            <a:endParaRPr lang="en-US" sz="3200" dirty="0">
+              <a:solidFill>
+                <a:srgbClr val="FF0000"/>
+              </a:solidFill>
+            </a:endParaRPr>
+          </a:p>
+        </p:txBody>
+      </p:sp>
+      <p:sp>
+        <p:nvSpPr>
+          <p:cNvPr id="2" name="TextBox 1"/>
+          <p:cNvSpPr txBox="1"/>
+          <p:nvPr/>
+        </p:nvSpPr>
+        <p:spPr>
+          <a:xfrm>
+            <a:off x="2388945" y="3634127"/>
+            <a:ext cx="184666" cy="369332"/>
+          </a:xfrm>
+          <a:prstGeom prst="rect">
+            <a:avLst/>
+          </a:prstGeom>
+          <a:noFill/>
+        </p:spPr>
+        <p:txBody>
+          <a:bodyPr wrap="none" rtlCol="0">
+            <a:spAutoFit/>
+          </a:bodyPr>
+          <a:lstStyle/>
+          <a:p>
+            <a:endParaRPr lang="en-US" dirty="0"/>
+          </a:p>
+        </p:txBody>
+      </p:sp>
+      <p:sp>
+        <p:nvSpPr>
+          <p:cNvPr id="3" name="TextBox 2"/>
+          <p:cNvSpPr txBox="1"/>
+          <p:nvPr/>
+        </p:nvSpPr>
+        <p:spPr>
+          <a:xfrm>
+            <a:off x="880138" y="2477242"/>
+            <a:ext cx="6777058" cy="2031325"/>
+          </a:xfrm>
+          <a:prstGeom prst="rect">
+            <a:avLst/>
+          </a:prstGeom>
+          <a:noFill/>
+        </p:spPr>
+        <p:txBody>
+          <a:bodyPr wrap="square" rtlCol="0">
+            <a:spAutoFit/>
+          </a:bodyPr>
+          <a:lstStyle/>
+          <a:p>
+            <a:r>
+              <a:rPr lang="en-US" dirty="0" smtClean="0"/>
+              <a:t>Models and deploy as a service: </a:t>
+            </a:r>
+            <a:r>
+              <a:rPr lang="en-US" dirty="0" err="1" smtClean="0"/>
+              <a:t>Zhi</a:t>
+            </a:r>
+            <a:r>
+              <a:rPr lang="en-US" dirty="0" smtClean="0"/>
+              <a:t>, Priti, </a:t>
+            </a:r>
+            <a:r>
+              <a:rPr lang="en-US" dirty="0" err="1" smtClean="0"/>
+              <a:t>Yalin</a:t>
+            </a:r>
+            <a:endParaRPr lang="en-US" dirty="0" smtClean="0"/>
+          </a:p>
+          <a:p>
+            <a:r>
+              <a:rPr lang="en-US" dirty="0" smtClean="0"/>
+              <a:t>Report: 8 models, Invoke service from Rest (Priti), 2 models(</a:t>
+            </a:r>
+            <a:r>
+              <a:rPr lang="en-US" dirty="0" err="1" smtClean="0"/>
+              <a:t>Zhi</a:t>
+            </a:r>
+            <a:r>
+              <a:rPr lang="en-US" dirty="0" smtClean="0"/>
+              <a:t>)</a:t>
+            </a:r>
+          </a:p>
+          <a:p>
+            <a:r>
+              <a:rPr lang="en-US" dirty="0" smtClean="0"/>
+              <a:t>UI – </a:t>
+            </a:r>
+            <a:r>
+              <a:rPr lang="en-US" dirty="0" err="1" smtClean="0"/>
+              <a:t>Zhi</a:t>
+            </a:r>
+            <a:endParaRPr lang="en-US" dirty="0" smtClean="0"/>
+          </a:p>
+          <a:p>
+            <a:r>
+              <a:rPr lang="en-US" dirty="0" smtClean="0"/>
+              <a:t>Invoke Service for all models – </a:t>
+            </a:r>
+            <a:r>
+              <a:rPr lang="en-US" dirty="0" err="1" smtClean="0"/>
+              <a:t>Yalin</a:t>
+            </a:r>
+            <a:r>
+              <a:rPr lang="en-US" dirty="0" smtClean="0"/>
+              <a:t> </a:t>
+            </a:r>
+            <a:endParaRPr lang="en-US" dirty="0"/>
+          </a:p>
+          <a:p>
+            <a:r>
+              <a:rPr lang="en-US" dirty="0" smtClean="0"/>
+              <a:t>Base C# code to invoke services  - Priti</a:t>
+            </a:r>
+          </a:p>
+          <a:p>
+            <a:r>
+              <a:rPr lang="en-US" dirty="0" smtClean="0"/>
+              <a:t>Regression Module – Priti (Backend + frontend)</a:t>
+            </a:r>
+          </a:p>
+          <a:p>
+            <a:endParaRPr lang="en-US" dirty="0"/>
+          </a:p>
+        </p:txBody>
+      </p:sp>
+    </p:spTree>
+    <p:extLst>
+      <p:ext uri="{BB962C8B-B14F-4D97-AF65-F5344CB8AC3E}">
+        <p14:creationId xmlns:p14="http://schemas.microsoft.com/office/powerpoint/2010/main" val="3081985958"/>
+      </p:ext>
+    </p:extLst>
+  </p:cSld>
+  <p:clrMapOvr>
+    <a:masterClrMapping/>
+  </p:clrMapOvr>
+  <mc:AlternateContent xmlns:mc="http://schemas.openxmlformats.org/markup-compatibility/2006" xmlns:p14="http://schemas.microsoft.com/office/powerpoint/2010/main">
+    <mc:Choice Requires="p14">
+      <p:transition spd="slow" p14:dur="2000"/>
+    </mc:Choice>
+    <mc:Fallback xmlns="">
+      <p:transition xmlns:p14="http://schemas.microsoft.com/office/powerpoint/2010/main" spd="slow"/>
+    </mc:Fallback>
+  </mc:AlternateContent>
+  <p:timing>
+    <p:tnLst>
+      <p:par>
+        <p:cTn xmlns:p14="http://schemas.microsoft.com/office/powerpoint/2010/main" id="1" dur="indefinite" restart="never" nodeType="tmRoot"/>
+      </p:par>
+    </p:tnLst>
+  </p:timing>
+</p:sld>
+</file>
+
 <file path=ppt/theme/theme1.xml><?xml version="1.0" encoding="utf-8"?>
 <a:theme xmlns:a="http://schemas.openxmlformats.org/drawingml/2006/main" name="Spectrum">
   <a:themeElements>

--- a/Team 12_Assignment-3.pptx
+++ b/Team 12_Assignment-3.pptx
@@ -10,6 +10,8 @@
     <p:sldId id="260" r:id="rId4"/>
     <p:sldId id="261" r:id="rId5"/>
     <p:sldId id="262" r:id="rId6"/>
+    <p:sldId id="264" r:id="rId7"/>
+    <p:sldId id="263" r:id="rId8"/>
   </p:sldIdLst>
   <p:sldSz cx="9144000" cy="6858000" type="screen4x3"/>
   <p:notesSz cx="6858000" cy="9144000"/>
@@ -145,7 +147,7 @@
           <a:p>
             <a:fld id="{379DB1D3-37B5-4B4E-AC16-614E58503C7B}" type="datetimeFigureOut">
               <a:rPr lang="en-US" smtClean="0"/>
-              <a:t>12/2/16</a:t>
+              <a:t>12/3/16</a:t>
             </a:fld>
             <a:endParaRPr lang="en-US"/>
           </a:p>
@@ -902,7 +904,7 @@
           <a:p>
             <a:fld id="{379DB1D3-37B5-4B4E-AC16-614E58503C7B}" type="datetimeFigureOut">
               <a:rPr lang="en-US" smtClean="0"/>
-              <a:t>12/2/16</a:t>
+              <a:t>12/3/16</a:t>
             </a:fld>
             <a:endParaRPr lang="en-US"/>
           </a:p>
@@ -1526,7 +1528,7 @@
           <a:p>
             <a:fld id="{379DB1D3-37B5-4B4E-AC16-614E58503C7B}" type="datetimeFigureOut">
               <a:rPr lang="en-US" smtClean="0"/>
-              <a:t>12/2/16</a:t>
+              <a:t>12/3/16</a:t>
             </a:fld>
             <a:endParaRPr lang="en-US"/>
           </a:p>
@@ -1949,7 +1951,7 @@
           <a:p>
             <a:fld id="{379DB1D3-37B5-4B4E-AC16-614E58503C7B}" type="datetimeFigureOut">
               <a:rPr lang="en-US" smtClean="0"/>
-              <a:t>12/2/16</a:t>
+              <a:t>12/3/16</a:t>
             </a:fld>
             <a:endParaRPr lang="en-US"/>
           </a:p>
@@ -2126,7 +2128,7 @@
           <a:p>
             <a:fld id="{379DB1D3-37B5-4B4E-AC16-614E58503C7B}" type="datetimeFigureOut">
               <a:rPr lang="en-US" smtClean="0"/>
-              <a:t>12/2/16</a:t>
+              <a:t>12/3/16</a:t>
             </a:fld>
             <a:endParaRPr lang="en-US"/>
           </a:p>
@@ -2943,7 +2945,7 @@
           <a:p>
             <a:fld id="{379DB1D3-37B5-4B4E-AC16-614E58503C7B}" type="datetimeFigureOut">
               <a:rPr lang="en-US" smtClean="0"/>
-              <a:t>12/2/16</a:t>
+              <a:t>12/3/16</a:t>
             </a:fld>
             <a:endParaRPr lang="en-US"/>
           </a:p>
@@ -3454,7 +3456,7 @@
           <a:p>
             <a:fld id="{379DB1D3-37B5-4B4E-AC16-614E58503C7B}" type="datetimeFigureOut">
               <a:rPr lang="en-US" smtClean="0"/>
-              <a:t>12/2/16</a:t>
+              <a:t>12/3/16</a:t>
             </a:fld>
             <a:endParaRPr lang="en-US"/>
           </a:p>
@@ -3687,7 +3689,7 @@
           <a:p>
             <a:fld id="{379DB1D3-37B5-4B4E-AC16-614E58503C7B}" type="datetimeFigureOut">
               <a:rPr lang="en-US" smtClean="0"/>
-              <a:t>12/2/16</a:t>
+              <a:t>12/3/16</a:t>
             </a:fld>
             <a:endParaRPr lang="en-US"/>
           </a:p>
@@ -4212,7 +4214,7 @@
           <a:p>
             <a:fld id="{379DB1D3-37B5-4B4E-AC16-614E58503C7B}" type="datetimeFigureOut">
               <a:rPr lang="en-US" smtClean="0"/>
-              <a:t>12/2/16</a:t>
+              <a:t>12/3/16</a:t>
             </a:fld>
             <a:endParaRPr lang="en-US"/>
           </a:p>
@@ -4347,7 +4349,7 @@
           <a:p>
             <a:fld id="{379DB1D3-37B5-4B4E-AC16-614E58503C7B}" type="datetimeFigureOut">
               <a:rPr lang="en-US" smtClean="0"/>
-              <a:t>12/2/16</a:t>
+              <a:t>12/3/16</a:t>
             </a:fld>
             <a:endParaRPr lang="en-US"/>
           </a:p>
@@ -5245,7 +5247,7 @@
           <a:p>
             <a:fld id="{379DB1D3-37B5-4B4E-AC16-614E58503C7B}" type="datetimeFigureOut">
               <a:rPr lang="en-US" smtClean="0"/>
-              <a:t>12/2/16</a:t>
+              <a:t>12/3/16</a:t>
             </a:fld>
             <a:endParaRPr lang="en-US"/>
           </a:p>
@@ -5368,7 +5370,7 @@
           <a:p>
             <a:fld id="{379DB1D3-37B5-4B4E-AC16-614E58503C7B}" type="datetimeFigureOut">
               <a:rPr lang="en-US" smtClean="0"/>
-              <a:t>12/2/16</a:t>
+              <a:t>12/3/16</a:t>
             </a:fld>
             <a:endParaRPr lang="en-US"/>
           </a:p>
@@ -6252,7 +6254,7 @@
           <a:p>
             <a:fld id="{379DB1D3-37B5-4B4E-AC16-614E58503C7B}" type="datetimeFigureOut">
               <a:rPr lang="en-US" smtClean="0"/>
-              <a:t>12/2/16</a:t>
+              <a:t>12/3/16</a:t>
             </a:fld>
             <a:endParaRPr lang="en-US"/>
           </a:p>
@@ -6900,7 +6902,7 @@
           <a:p>
             <a:fld id="{379DB1D3-37B5-4B4E-AC16-614E58503C7B}" type="datetimeFigureOut">
               <a:rPr lang="en-US" smtClean="0"/>
-              <a:t>12/2/16</a:t>
+              <a:t>12/3/16</a:t>
             </a:fld>
             <a:endParaRPr lang="en-US"/>
           </a:p>
@@ -7216,7 +7218,7 @@
           <a:p>
             <a:fld id="{379DB1D3-37B5-4B4E-AC16-614E58503C7B}" type="datetimeFigureOut">
               <a:rPr lang="en-US" smtClean="0"/>
-              <a:t>12/2/16</a:t>
+              <a:t>12/3/16</a:t>
             </a:fld>
             <a:endParaRPr lang="en-US"/>
           </a:p>
@@ -7306,7 +7308,7 @@
           <a:p>
             <a:fld id="{379DB1D3-37B5-4B4E-AC16-614E58503C7B}" type="datetimeFigureOut">
               <a:rPr lang="en-US" smtClean="0"/>
-              <a:t>12/2/16</a:t>
+              <a:t>12/3/16</a:t>
             </a:fld>
             <a:endParaRPr lang="en-US"/>
           </a:p>
@@ -7634,7 +7636,7 @@
           <a:p>
             <a:fld id="{379DB1D3-37B5-4B4E-AC16-614E58503C7B}" type="datetimeFigureOut">
               <a:rPr lang="en-US" smtClean="0"/>
-              <a:t>12/2/16</a:t>
+              <a:t>12/3/16</a:t>
             </a:fld>
             <a:endParaRPr lang="en-US"/>
           </a:p>
@@ -8263,22 +8265,14 @@
           </a:p>
           <a:p>
             <a:r>
-              <a:rPr lang="en-US" dirty="0" err="1" smtClean="0"/>
-              <a:t>Yalin</a:t>
-            </a:r>
-            <a:r>
               <a:rPr lang="en-US" dirty="0" smtClean="0"/>
-              <a:t> Li</a:t>
-            </a:r>
-          </a:p>
-          <a:p>
-            <a:r>
-              <a:rPr lang="en-US" dirty="0" err="1" smtClean="0"/>
-              <a:t>Zhi</a:t>
-            </a:r>
+              <a:t>Yalin Li</a:t>
+            </a:r>
+          </a:p>
+          <a:p>
             <a:r>
               <a:rPr lang="en-US" dirty="0" smtClean="0"/>
-              <a:t> Li</a:t>
+              <a:t>Zhi Li</a:t>
             </a:r>
             <a:endParaRPr lang="en-US" dirty="0"/>
           </a:p>
@@ -8853,7 +8847,7 @@
         <p:spPr>
           <a:xfrm>
             <a:off x="880138" y="1879800"/>
-            <a:ext cx="7569182" cy="4247317"/>
+            <a:ext cx="7569182" cy="5355313"/>
           </a:xfrm>
           <a:prstGeom prst="rect">
             <a:avLst/>
@@ -9014,8 +9008,38 @@
             </a:pPr>
             <a:r>
               <a:rPr lang="en-US" dirty="0"/>
-              <a:t>If the response is an error code, then show the error.</a:t>
-            </a:r>
+              <a:t>If the response is an error code, then show the error</a:t>
+            </a:r>
+            <a:r>
+              <a:rPr lang="en-US" dirty="0" smtClean="0"/>
+              <a:t>.</a:t>
+            </a:r>
+          </a:p>
+          <a:p>
+            <a:pPr marL="742950" lvl="1" indent="-285750">
+              <a:buFont typeface="Arial"/>
+              <a:buChar char="•"/>
+            </a:pPr>
+            <a:endParaRPr lang="en-US" dirty="0" smtClean="0"/>
+          </a:p>
+          <a:p>
+            <a:pPr lvl="1"/>
+            <a:r>
+              <a:rPr lang="en-US" dirty="0"/>
+              <a:t>http://adsassignment3.azurewebsites.net/ </a:t>
+            </a:r>
+            <a:endParaRPr lang="en-US" dirty="0"/>
+          </a:p>
+          <a:p>
+            <a:pPr marL="742950" lvl="1" indent="-285750">
+              <a:buFont typeface="Arial"/>
+              <a:buChar char="•"/>
+            </a:pPr>
+            <a:endParaRPr lang="en-US" dirty="0"/>
+          </a:p>
+          <a:p>
+            <a:pPr lvl="1"/>
+            <a:endParaRPr lang="en-US" dirty="0"/>
           </a:p>
           <a:p>
             <a:endParaRPr lang="en-US" dirty="0"/>
@@ -9453,59 +9477,25 @@
           <a:p>
             <a:r>
               <a:rPr lang="en-US" dirty="0" smtClean="0"/>
-              <a:t>Models and deploy as a service: </a:t>
-            </a:r>
-            <a:r>
-              <a:rPr lang="en-US" dirty="0" err="1" smtClean="0"/>
-              <a:t>Zhi</a:t>
-            </a:r>
+              <a:t>Models and deploy as a service: Zhi, Priti, Yalin</a:t>
+            </a:r>
+          </a:p>
+          <a:p>
             <a:r>
               <a:rPr lang="en-US" dirty="0" smtClean="0"/>
-              <a:t>, Priti, </a:t>
-            </a:r>
-            <a:r>
-              <a:rPr lang="en-US" dirty="0" err="1" smtClean="0"/>
-              <a:t>Yalin</a:t>
-            </a:r>
-            <a:endParaRPr lang="en-US" dirty="0" smtClean="0"/>
+              <a:t>Report: 8 models, Invoke service from Rest (Priti), 2 models(Zhi)</a:t>
+            </a:r>
           </a:p>
           <a:p>
             <a:r>
               <a:rPr lang="en-US" dirty="0" smtClean="0"/>
-              <a:t>Report: 8 models, Invoke service from Rest (Priti), 2 models(</a:t>
-            </a:r>
-            <a:r>
-              <a:rPr lang="en-US" dirty="0" err="1" smtClean="0"/>
-              <a:t>Zhi</a:t>
-            </a:r>
+              <a:t>UI – Zhi</a:t>
+            </a:r>
+          </a:p>
+          <a:p>
             <a:r>
               <a:rPr lang="en-US" dirty="0" smtClean="0"/>
-              <a:t>)</a:t>
-            </a:r>
-          </a:p>
-          <a:p>
-            <a:r>
-              <a:rPr lang="en-US" dirty="0" smtClean="0"/>
-              <a:t>UI – </a:t>
-            </a:r>
-            <a:r>
-              <a:rPr lang="en-US" dirty="0" err="1" smtClean="0"/>
-              <a:t>Zhi</a:t>
-            </a:r>
-            <a:endParaRPr lang="en-US" dirty="0" smtClean="0"/>
-          </a:p>
-          <a:p>
-            <a:r>
-              <a:rPr lang="en-US" dirty="0" smtClean="0"/>
-              <a:t>Invoke Service for all models – </a:t>
-            </a:r>
-            <a:r>
-              <a:rPr lang="en-US" dirty="0" err="1" smtClean="0"/>
-              <a:t>Yalin</a:t>
-            </a:r>
-            <a:r>
-              <a:rPr lang="en-US" dirty="0" smtClean="0"/>
-              <a:t> </a:t>
+              <a:t>Invoke Service for all models – Yalin </a:t>
             </a:r>
             <a:endParaRPr lang="en-US" dirty="0"/>
           </a:p>
@@ -9530,6 +9520,557 @@
     <p:extLst>
       <p:ext uri="{BB962C8B-B14F-4D97-AF65-F5344CB8AC3E}">
         <p14:creationId xmlns:p14="http://schemas.microsoft.com/office/powerpoint/2010/main" val="3081985958"/>
+      </p:ext>
+    </p:extLst>
+  </p:cSld>
+  <p:clrMapOvr>
+    <a:masterClrMapping/>
+  </p:clrMapOvr>
+  <mc:AlternateContent xmlns:mc="http://schemas.openxmlformats.org/markup-compatibility/2006" xmlns:p14="http://schemas.microsoft.com/office/powerpoint/2010/main">
+    <mc:Choice Requires="p14">
+      <p:transition spd="slow" p14:dur="2000"/>
+    </mc:Choice>
+    <mc:Fallback xmlns="">
+      <p:transition xmlns:p14="http://schemas.microsoft.com/office/powerpoint/2010/main" spd="slow"/>
+    </mc:Fallback>
+  </mc:AlternateContent>
+  <p:timing>
+    <p:tnLst>
+      <p:par>
+        <p:cTn xmlns:p14="http://schemas.microsoft.com/office/powerpoint/2010/main" id="1" dur="indefinite" restart="never" nodeType="tmRoot"/>
+      </p:par>
+    </p:tnLst>
+  </p:timing>
+</p:sld>
+</file>
+
+<file path=ppt/slides/slide6.xml><?xml version="1.0" encoding="utf-8"?>
+<p:sld xmlns:a="http://schemas.openxmlformats.org/drawingml/2006/main" xmlns:r="http://schemas.openxmlformats.org/officeDocument/2006/relationships" xmlns:p="http://schemas.openxmlformats.org/presentationml/2006/main">
+  <p:cSld>
+    <p:spTree>
+      <p:nvGrpSpPr>
+        <p:cNvPr id="1" name=""/>
+        <p:cNvGrpSpPr/>
+        <p:nvPr/>
+      </p:nvGrpSpPr>
+      <p:grpSpPr>
+        <a:xfrm>
+          <a:off x="0" y="0"/>
+          <a:ext cx="0" cy="0"/>
+          <a:chOff x="0" y="0"/>
+          <a:chExt cx="0" cy="0"/>
+        </a:xfrm>
+      </p:grpSpPr>
+      <p:sp>
+        <p:nvSpPr>
+          <p:cNvPr id="5" name="TextBox 4"/>
+          <p:cNvSpPr txBox="1"/>
+          <p:nvPr/>
+        </p:nvSpPr>
+        <p:spPr>
+          <a:xfrm>
+            <a:off x="880138" y="1031138"/>
+            <a:ext cx="7569182" cy="646331"/>
+          </a:xfrm>
+          <a:prstGeom prst="rect">
+            <a:avLst/>
+          </a:prstGeom>
+          <a:noFill/>
+        </p:spPr>
+        <p:txBody>
+          <a:bodyPr wrap="square" rtlCol="0">
+            <a:spAutoFit/>
+          </a:bodyPr>
+          <a:lstStyle/>
+          <a:p>
+            <a:r>
+              <a:rPr lang="en-US" b="1" dirty="0"/>
+              <a:t> </a:t>
+            </a:r>
+            <a:endParaRPr lang="en-US" dirty="0"/>
+          </a:p>
+          <a:p>
+            <a:endParaRPr lang="en-US" dirty="0"/>
+          </a:p>
+        </p:txBody>
+      </p:sp>
+      <p:sp>
+        <p:nvSpPr>
+          <p:cNvPr id="6" name="Title 1"/>
+          <p:cNvSpPr>
+            <a:spLocks noGrp="1"/>
+          </p:cNvSpPr>
+          <p:nvPr>
+            <p:ph type="ctrTitle"/>
+          </p:nvPr>
+        </p:nvSpPr>
+        <p:spPr>
+          <a:xfrm>
+            <a:off x="761241" y="1677469"/>
+            <a:ext cx="7772400" cy="1106586"/>
+          </a:xfrm>
+        </p:spPr>
+        <p:txBody>
+          <a:bodyPr>
+            <a:noAutofit/>
+          </a:bodyPr>
+          <a:lstStyle/>
+          <a:p>
+            <a:r>
+              <a:rPr lang="en-US" sz="3200" dirty="0" smtClean="0">
+                <a:solidFill>
+                  <a:srgbClr val="FF0000"/>
+                </a:solidFill>
+                <a:effectLst/>
+              </a:rPr>
+              <a:t/>
+            </a:r>
+            <a:br>
+              <a:rPr lang="en-US" sz="3200" dirty="0" smtClean="0">
+                <a:solidFill>
+                  <a:srgbClr val="FF0000"/>
+                </a:solidFill>
+                <a:effectLst/>
+              </a:rPr>
+            </a:br>
+            <a:r>
+              <a:rPr lang="en-US" sz="3200" dirty="0" smtClean="0">
+                <a:solidFill>
+                  <a:srgbClr val="FF0000"/>
+                </a:solidFill>
+                <a:effectLst/>
+              </a:rPr>
+              <a:t>Pie Chart:</a:t>
+            </a:r>
+            <a:r>
+              <a:rPr lang="en-US" sz="3200" dirty="0">
+                <a:solidFill>
+                  <a:srgbClr val="FF0000"/>
+                </a:solidFill>
+              </a:rPr>
+              <a:t/>
+            </a:r>
+            <a:br>
+              <a:rPr lang="en-US" sz="3200" dirty="0">
+                <a:solidFill>
+                  <a:srgbClr val="FF0000"/>
+                </a:solidFill>
+              </a:rPr>
+            </a:br>
+            <a:r>
+              <a:rPr lang="en-US" sz="3200" dirty="0">
+                <a:solidFill>
+                  <a:srgbClr val="FF0000"/>
+                </a:solidFill>
+              </a:rPr>
+              <a:t> </a:t>
+            </a:r>
+            <a:br>
+              <a:rPr lang="en-US" sz="3200" dirty="0">
+                <a:solidFill>
+                  <a:srgbClr val="FF0000"/>
+                </a:solidFill>
+              </a:rPr>
+            </a:br>
+            <a:endParaRPr lang="en-US" sz="3200" dirty="0">
+              <a:solidFill>
+                <a:srgbClr val="FF0000"/>
+              </a:solidFill>
+            </a:endParaRPr>
+          </a:p>
+        </p:txBody>
+      </p:sp>
+      <p:sp>
+        <p:nvSpPr>
+          <p:cNvPr id="2" name="TextBox 1"/>
+          <p:cNvSpPr txBox="1"/>
+          <p:nvPr/>
+        </p:nvSpPr>
+        <p:spPr>
+          <a:xfrm>
+            <a:off x="2388945" y="3634127"/>
+            <a:ext cx="184666" cy="369332"/>
+          </a:xfrm>
+          <a:prstGeom prst="rect">
+            <a:avLst/>
+          </a:prstGeom>
+          <a:noFill/>
+        </p:spPr>
+        <p:txBody>
+          <a:bodyPr wrap="none" rtlCol="0">
+            <a:spAutoFit/>
+          </a:bodyPr>
+          <a:lstStyle/>
+          <a:p>
+            <a:endParaRPr lang="en-US" dirty="0"/>
+          </a:p>
+        </p:txBody>
+      </p:sp>
+      <p:pic>
+        <p:nvPicPr>
+          <p:cNvPr id="8" name="Picture 7"/>
+          <p:cNvPicPr>
+            <a:picLocks noChangeAspect="1"/>
+          </p:cNvPicPr>
+          <p:nvPr/>
+        </p:nvPicPr>
+        <p:blipFill>
+          <a:blip r:embed="rId2"/>
+          <a:stretch>
+            <a:fillRect/>
+          </a:stretch>
+        </p:blipFill>
+        <p:spPr>
+          <a:xfrm>
+            <a:off x="1358900" y="2348566"/>
+            <a:ext cx="6426200" cy="3530600"/>
+          </a:xfrm>
+          <a:prstGeom prst="rect">
+            <a:avLst/>
+          </a:prstGeom>
+        </p:spPr>
+      </p:pic>
+      <p:sp>
+        <p:nvSpPr>
+          <p:cNvPr id="9" name="TextBox 8"/>
+          <p:cNvSpPr txBox="1"/>
+          <p:nvPr/>
+        </p:nvSpPr>
+        <p:spPr>
+          <a:xfrm>
+            <a:off x="3498845" y="2926246"/>
+            <a:ext cx="871598" cy="923330"/>
+          </a:xfrm>
+          <a:prstGeom prst="rect">
+            <a:avLst/>
+          </a:prstGeom>
+          <a:noFill/>
+        </p:spPr>
+        <p:txBody>
+          <a:bodyPr wrap="square" rtlCol="0">
+            <a:spAutoFit/>
+          </a:bodyPr>
+          <a:lstStyle/>
+          <a:p>
+            <a:r>
+              <a:rPr lang="en-US" dirty="0" smtClean="0">
+                <a:solidFill>
+                  <a:schemeClr val="accent2">
+                    <a:lumMod val="50000"/>
+                  </a:schemeClr>
+                </a:solidFill>
+              </a:rPr>
+              <a:t>Yalin, Zhi, Priti</a:t>
+            </a:r>
+            <a:endParaRPr lang="en-US" dirty="0">
+              <a:solidFill>
+                <a:schemeClr val="accent2">
+                  <a:lumMod val="50000"/>
+                </a:schemeClr>
+              </a:solidFill>
+            </a:endParaRPr>
+          </a:p>
+        </p:txBody>
+      </p:sp>
+      <p:sp>
+        <p:nvSpPr>
+          <p:cNvPr id="10" name="TextBox 9"/>
+          <p:cNvSpPr txBox="1"/>
+          <p:nvPr/>
+        </p:nvSpPr>
+        <p:spPr>
+          <a:xfrm>
+            <a:off x="3934644" y="4001976"/>
+            <a:ext cx="871598" cy="646331"/>
+          </a:xfrm>
+          <a:prstGeom prst="rect">
+            <a:avLst/>
+          </a:prstGeom>
+          <a:noFill/>
+        </p:spPr>
+        <p:txBody>
+          <a:bodyPr wrap="square" rtlCol="0">
+            <a:spAutoFit/>
+          </a:bodyPr>
+          <a:lstStyle/>
+          <a:p>
+            <a:r>
+              <a:rPr lang="en-US" dirty="0" smtClean="0">
+                <a:solidFill>
+                  <a:srgbClr val="7F3300"/>
+                </a:solidFill>
+              </a:rPr>
+              <a:t>Yalin, Priti</a:t>
+            </a:r>
+            <a:endParaRPr lang="en-US" dirty="0">
+              <a:solidFill>
+                <a:srgbClr val="7F3300"/>
+              </a:solidFill>
+            </a:endParaRPr>
+          </a:p>
+        </p:txBody>
+      </p:sp>
+      <p:sp>
+        <p:nvSpPr>
+          <p:cNvPr id="11" name="TextBox 10"/>
+          <p:cNvSpPr txBox="1"/>
+          <p:nvPr/>
+        </p:nvSpPr>
+        <p:spPr>
+          <a:xfrm>
+            <a:off x="2966417" y="4800707"/>
+            <a:ext cx="871598" cy="369332"/>
+          </a:xfrm>
+          <a:prstGeom prst="rect">
+            <a:avLst/>
+          </a:prstGeom>
+          <a:noFill/>
+        </p:spPr>
+        <p:txBody>
+          <a:bodyPr wrap="square" rtlCol="0">
+            <a:spAutoFit/>
+          </a:bodyPr>
+          <a:lstStyle/>
+          <a:p>
+            <a:r>
+              <a:rPr lang="en-US" dirty="0" smtClean="0">
+                <a:solidFill>
+                  <a:srgbClr val="7F3300"/>
+                </a:solidFill>
+              </a:rPr>
+              <a:t>Zhi</a:t>
+            </a:r>
+            <a:endParaRPr lang="en-US" dirty="0">
+              <a:solidFill>
+                <a:srgbClr val="7F3300"/>
+              </a:solidFill>
+            </a:endParaRPr>
+          </a:p>
+        </p:txBody>
+      </p:sp>
+      <p:sp>
+        <p:nvSpPr>
+          <p:cNvPr id="12" name="TextBox 11"/>
+          <p:cNvSpPr txBox="1"/>
+          <p:nvPr/>
+        </p:nvSpPr>
+        <p:spPr>
+          <a:xfrm>
+            <a:off x="2094819" y="4118816"/>
+            <a:ext cx="871598" cy="646331"/>
+          </a:xfrm>
+          <a:prstGeom prst="rect">
+            <a:avLst/>
+          </a:prstGeom>
+          <a:noFill/>
+        </p:spPr>
+        <p:txBody>
+          <a:bodyPr wrap="square" rtlCol="0">
+            <a:spAutoFit/>
+          </a:bodyPr>
+          <a:lstStyle/>
+          <a:p>
+            <a:r>
+              <a:rPr lang="en-US" dirty="0" smtClean="0">
+                <a:solidFill>
+                  <a:srgbClr val="7F3300"/>
+                </a:solidFill>
+              </a:rPr>
+              <a:t>Yalin, Priti</a:t>
+            </a:r>
+            <a:endParaRPr lang="en-US" dirty="0">
+              <a:solidFill>
+                <a:srgbClr val="7F3300"/>
+              </a:solidFill>
+            </a:endParaRPr>
+          </a:p>
+        </p:txBody>
+      </p:sp>
+      <p:sp>
+        <p:nvSpPr>
+          <p:cNvPr id="13" name="TextBox 12"/>
+          <p:cNvSpPr txBox="1"/>
+          <p:nvPr/>
+        </p:nvSpPr>
+        <p:spPr>
+          <a:xfrm>
+            <a:off x="2388945" y="2987938"/>
+            <a:ext cx="871598" cy="646331"/>
+          </a:xfrm>
+          <a:prstGeom prst="rect">
+            <a:avLst/>
+          </a:prstGeom>
+          <a:noFill/>
+        </p:spPr>
+        <p:txBody>
+          <a:bodyPr wrap="square" rtlCol="0">
+            <a:spAutoFit/>
+          </a:bodyPr>
+          <a:lstStyle/>
+          <a:p>
+            <a:r>
+              <a:rPr lang="en-US" dirty="0" smtClean="0">
+                <a:solidFill>
+                  <a:srgbClr val="7F3300"/>
+                </a:solidFill>
+              </a:rPr>
+              <a:t>Priti, Zhi</a:t>
+            </a:r>
+            <a:endParaRPr lang="en-US" dirty="0">
+              <a:solidFill>
+                <a:srgbClr val="7F3300"/>
+              </a:solidFill>
+            </a:endParaRPr>
+          </a:p>
+        </p:txBody>
+      </p:sp>
+    </p:spTree>
+    <p:extLst>
+      <p:ext uri="{BB962C8B-B14F-4D97-AF65-F5344CB8AC3E}">
+        <p14:creationId xmlns:p14="http://schemas.microsoft.com/office/powerpoint/2010/main" val="2285304190"/>
+      </p:ext>
+    </p:extLst>
+  </p:cSld>
+  <p:clrMapOvr>
+    <a:masterClrMapping/>
+  </p:clrMapOvr>
+  <mc:AlternateContent xmlns:mc="http://schemas.openxmlformats.org/markup-compatibility/2006" xmlns:p14="http://schemas.microsoft.com/office/powerpoint/2010/main">
+    <mc:Choice Requires="p14">
+      <p:transition spd="slow" p14:dur="2000"/>
+    </mc:Choice>
+    <mc:Fallback xmlns="">
+      <p:transition xmlns:p14="http://schemas.microsoft.com/office/powerpoint/2010/main" spd="slow"/>
+    </mc:Fallback>
+  </mc:AlternateContent>
+  <p:timing>
+    <p:tnLst>
+      <p:par>
+        <p:cTn xmlns:p14="http://schemas.microsoft.com/office/powerpoint/2010/main" id="1" dur="indefinite" restart="never" nodeType="tmRoot"/>
+      </p:par>
+    </p:tnLst>
+  </p:timing>
+</p:sld>
+</file>
+
+<file path=ppt/slides/slide7.xml><?xml version="1.0" encoding="utf-8"?>
+<p:sld xmlns:a="http://schemas.openxmlformats.org/drawingml/2006/main" xmlns:r="http://schemas.openxmlformats.org/officeDocument/2006/relationships" xmlns:p="http://schemas.openxmlformats.org/presentationml/2006/main">
+  <p:cSld>
+    <p:spTree>
+      <p:nvGrpSpPr>
+        <p:cNvPr id="1" name=""/>
+        <p:cNvGrpSpPr/>
+        <p:nvPr/>
+      </p:nvGrpSpPr>
+      <p:grpSpPr>
+        <a:xfrm>
+          <a:off x="0" y="0"/>
+          <a:ext cx="0" cy="0"/>
+          <a:chOff x="0" y="0"/>
+          <a:chExt cx="0" cy="0"/>
+        </a:xfrm>
+      </p:grpSpPr>
+      <p:sp>
+        <p:nvSpPr>
+          <p:cNvPr id="5" name="TextBox 4"/>
+          <p:cNvSpPr txBox="1"/>
+          <p:nvPr/>
+        </p:nvSpPr>
+        <p:spPr>
+          <a:xfrm>
+            <a:off x="880138" y="1031138"/>
+            <a:ext cx="7569182" cy="646331"/>
+          </a:xfrm>
+          <a:prstGeom prst="rect">
+            <a:avLst/>
+          </a:prstGeom>
+          <a:noFill/>
+        </p:spPr>
+        <p:txBody>
+          <a:bodyPr wrap="square" rtlCol="0">
+            <a:spAutoFit/>
+          </a:bodyPr>
+          <a:lstStyle/>
+          <a:p>
+            <a:r>
+              <a:rPr lang="en-US" b="1" dirty="0"/>
+              <a:t> </a:t>
+            </a:r>
+            <a:endParaRPr lang="en-US" dirty="0"/>
+          </a:p>
+          <a:p>
+            <a:endParaRPr lang="en-US" dirty="0"/>
+          </a:p>
+        </p:txBody>
+      </p:sp>
+      <p:sp>
+        <p:nvSpPr>
+          <p:cNvPr id="6" name="Title 1"/>
+          <p:cNvSpPr>
+            <a:spLocks noGrp="1"/>
+          </p:cNvSpPr>
+          <p:nvPr>
+            <p:ph type="ctrTitle"/>
+          </p:nvPr>
+        </p:nvSpPr>
+        <p:spPr>
+          <a:xfrm>
+            <a:off x="761241" y="1677469"/>
+            <a:ext cx="7772400" cy="1106586"/>
+          </a:xfrm>
+        </p:spPr>
+        <p:txBody>
+          <a:bodyPr>
+            <a:noAutofit/>
+          </a:bodyPr>
+          <a:lstStyle/>
+          <a:p>
+            <a:r>
+              <a:rPr lang="en-US" sz="3200" dirty="0" smtClean="0">
+                <a:solidFill>
+                  <a:srgbClr val="FF0000"/>
+                </a:solidFill>
+                <a:effectLst/>
+              </a:rPr>
+              <a:t>Q/A</a:t>
+            </a:r>
+            <a:endParaRPr lang="en-US" sz="3200" dirty="0">
+              <a:solidFill>
+                <a:srgbClr val="FF0000"/>
+              </a:solidFill>
+            </a:endParaRPr>
+          </a:p>
+        </p:txBody>
+      </p:sp>
+      <p:sp>
+        <p:nvSpPr>
+          <p:cNvPr id="2" name="TextBox 1"/>
+          <p:cNvSpPr txBox="1"/>
+          <p:nvPr/>
+        </p:nvSpPr>
+        <p:spPr>
+          <a:xfrm>
+            <a:off x="2388945" y="3634127"/>
+            <a:ext cx="184666" cy="369332"/>
+          </a:xfrm>
+          <a:prstGeom prst="rect">
+            <a:avLst/>
+          </a:prstGeom>
+          <a:noFill/>
+        </p:spPr>
+        <p:txBody>
+          <a:bodyPr wrap="none" rtlCol="0">
+            <a:spAutoFit/>
+          </a:bodyPr>
+          <a:lstStyle/>
+          <a:p>
+            <a:endParaRPr lang="en-US" dirty="0"/>
+          </a:p>
+        </p:txBody>
+      </p:sp>
+    </p:spTree>
+    <p:extLst>
+      <p:ext uri="{BB962C8B-B14F-4D97-AF65-F5344CB8AC3E}">
+        <p14:creationId xmlns:p14="http://schemas.microsoft.com/office/powerpoint/2010/main" val="1775003877"/>
       </p:ext>
     </p:extLst>
   </p:cSld>
